--- a/sample_2.pptx
+++ b/sample_2.pptx
@@ -243,7 +243,7 @@
           <a:p>
             <a:fld id="{B9F53F7D-10EC-49D3-9496-E21781152807}" type="datetimeFigureOut">
               <a:rPr lang="en-US" smtClean="0"/>
-              <a:t>6/27/2024</a:t>
+              <a:t>7/2/2024</a:t>
             </a:fld>
             <a:endParaRPr lang="en-US"/>
           </a:p>
@@ -413,7 +413,7 @@
           <a:p>
             <a:fld id="{B9F53F7D-10EC-49D3-9496-E21781152807}" type="datetimeFigureOut">
               <a:rPr lang="en-US" smtClean="0"/>
-              <a:t>6/27/2024</a:t>
+              <a:t>7/2/2024</a:t>
             </a:fld>
             <a:endParaRPr lang="en-US"/>
           </a:p>
@@ -593,7 +593,7 @@
           <a:p>
             <a:fld id="{B9F53F7D-10EC-49D3-9496-E21781152807}" type="datetimeFigureOut">
               <a:rPr lang="en-US" smtClean="0"/>
-              <a:t>6/27/2024</a:t>
+              <a:t>7/2/2024</a:t>
             </a:fld>
             <a:endParaRPr lang="en-US"/>
           </a:p>
@@ -763,7 +763,7 @@
           <a:p>
             <a:fld id="{B9F53F7D-10EC-49D3-9496-E21781152807}" type="datetimeFigureOut">
               <a:rPr lang="en-US" smtClean="0"/>
-              <a:t>6/27/2024</a:t>
+              <a:t>7/2/2024</a:t>
             </a:fld>
             <a:endParaRPr lang="en-US"/>
           </a:p>
@@ -1007,7 +1007,7 @@
           <a:p>
             <a:fld id="{B9F53F7D-10EC-49D3-9496-E21781152807}" type="datetimeFigureOut">
               <a:rPr lang="en-US" smtClean="0"/>
-              <a:t>6/27/2024</a:t>
+              <a:t>7/2/2024</a:t>
             </a:fld>
             <a:endParaRPr lang="en-US"/>
           </a:p>
@@ -1239,7 +1239,7 @@
           <a:p>
             <a:fld id="{B9F53F7D-10EC-49D3-9496-E21781152807}" type="datetimeFigureOut">
               <a:rPr lang="en-US" smtClean="0"/>
-              <a:t>6/27/2024</a:t>
+              <a:t>7/2/2024</a:t>
             </a:fld>
             <a:endParaRPr lang="en-US"/>
           </a:p>
@@ -1606,7 +1606,7 @@
           <a:p>
             <a:fld id="{B9F53F7D-10EC-49D3-9496-E21781152807}" type="datetimeFigureOut">
               <a:rPr lang="en-US" smtClean="0"/>
-              <a:t>6/27/2024</a:t>
+              <a:t>7/2/2024</a:t>
             </a:fld>
             <a:endParaRPr lang="en-US"/>
           </a:p>
@@ -1724,7 +1724,7 @@
           <a:p>
             <a:fld id="{B9F53F7D-10EC-49D3-9496-E21781152807}" type="datetimeFigureOut">
               <a:rPr lang="en-US" smtClean="0"/>
-              <a:t>6/27/2024</a:t>
+              <a:t>7/2/2024</a:t>
             </a:fld>
             <a:endParaRPr lang="en-US"/>
           </a:p>
@@ -1819,7 +1819,7 @@
           <a:p>
             <a:fld id="{B9F53F7D-10EC-49D3-9496-E21781152807}" type="datetimeFigureOut">
               <a:rPr lang="en-US" smtClean="0"/>
-              <a:t>6/27/2024</a:t>
+              <a:t>7/2/2024</a:t>
             </a:fld>
             <a:endParaRPr lang="en-US"/>
           </a:p>
@@ -2096,7 +2096,7 @@
           <a:p>
             <a:fld id="{B9F53F7D-10EC-49D3-9496-E21781152807}" type="datetimeFigureOut">
               <a:rPr lang="en-US" smtClean="0"/>
-              <a:t>6/27/2024</a:t>
+              <a:t>7/2/2024</a:t>
             </a:fld>
             <a:endParaRPr lang="en-US"/>
           </a:p>
@@ -2353,7 +2353,7 @@
           <a:p>
             <a:fld id="{B9F53F7D-10EC-49D3-9496-E21781152807}" type="datetimeFigureOut">
               <a:rPr lang="en-US" smtClean="0"/>
-              <a:t>6/27/2024</a:t>
+              <a:t>7/2/2024</a:t>
             </a:fld>
             <a:endParaRPr lang="en-US"/>
           </a:p>
@@ -2566,7 +2566,7 @@
           <a:p>
             <a:fld id="{B9F53F7D-10EC-49D3-9496-E21781152807}" type="datetimeFigureOut">
               <a:rPr lang="en-US" smtClean="0"/>
-              <a:t>6/27/2024</a:t>
+              <a:t>7/2/2024</a:t>
             </a:fld>
             <a:endParaRPr lang="en-US"/>
           </a:p>
@@ -3159,11 +3159,6 @@
               </a:rPr>
               <a:t>00</a:t>
             </a:r>
-            <a:endParaRPr lang="en-US" sz="700" b="1" dirty="0">
-              <a:solidFill>
-                <a:schemeClr val="tx1"/>
-              </a:solidFill>
-            </a:endParaRPr>
           </a:p>
         </p:txBody>
       </p:sp>
@@ -3217,11 +3212,6 @@
               </a:rPr>
               <a:t>00</a:t>
             </a:r>
-            <a:endParaRPr lang="en-US" sz="700" b="1" dirty="0">
-              <a:solidFill>
-                <a:schemeClr val="tx1"/>
-              </a:solidFill>
-            </a:endParaRPr>
           </a:p>
         </p:txBody>
       </p:sp>
@@ -3275,11 +3265,6 @@
               </a:rPr>
               <a:t>00</a:t>
             </a:r>
-            <a:endParaRPr lang="en-US" sz="700" b="1" dirty="0">
-              <a:solidFill>
-                <a:schemeClr val="tx1"/>
-              </a:solidFill>
-            </a:endParaRPr>
           </a:p>
         </p:txBody>
       </p:sp>
@@ -3315,12 +3300,6 @@
               </a:rPr>
               <a:t>HR</a:t>
             </a:r>
-            <a:endParaRPr lang="en-US" sz="700" b="1" dirty="0">
-              <a:ln w="0"/>
-              <a:solidFill>
-                <a:schemeClr val="bg1"/>
-              </a:solidFill>
-            </a:endParaRPr>
           </a:p>
         </p:txBody>
       </p:sp>
@@ -3356,12 +3335,6 @@
               </a:rPr>
               <a:t>MIN</a:t>
             </a:r>
-            <a:endParaRPr lang="en-US" sz="700" b="1" dirty="0">
-              <a:ln w="0"/>
-              <a:solidFill>
-                <a:schemeClr val="bg1"/>
-              </a:solidFill>
-            </a:endParaRPr>
           </a:p>
         </p:txBody>
       </p:sp>
@@ -3397,12 +3370,6 @@
               </a:rPr>
               <a:t>SEC</a:t>
             </a:r>
-            <a:endParaRPr lang="en-US" sz="700" b="1" dirty="0">
-              <a:ln w="0"/>
-              <a:solidFill>
-                <a:schemeClr val="bg1"/>
-              </a:solidFill>
-            </a:endParaRPr>
           </a:p>
         </p:txBody>
       </p:sp>
@@ -3652,7 +3619,6 @@
                 <a:rPr lang="en-US" sz="500" b="1" dirty="0"/>
                 <a:t>VIEW ALL</a:t>
               </a:r>
-              <a:endParaRPr lang="en-US" sz="500" b="1" dirty="0"/>
             </a:p>
           </p:txBody>
         </p:sp>
@@ -3761,13 +3727,8 @@
               <a:pPr algn="ctr"/>
               <a:r>
                 <a:rPr lang="en-US" sz="500" b="1" dirty="0"/>
-                <a:t>VIEW </a:t>
+                <a:t>VIEW ALL</a:t>
               </a:r>
-              <a:r>
-                <a:rPr lang="en-US" sz="500" b="1" dirty="0"/>
-                <a:t>ALL</a:t>
-              </a:r>
-              <a:endParaRPr lang="en-US" sz="500" b="1" dirty="0"/>
             </a:p>
           </p:txBody>
         </p:sp>
@@ -3876,13 +3837,8 @@
               <a:pPr algn="ctr"/>
               <a:r>
                 <a:rPr lang="en-US" sz="500" b="1" dirty="0"/>
-                <a:t>VIEW </a:t>
+                <a:t>VIEW ALL</a:t>
               </a:r>
-              <a:r>
-                <a:rPr lang="en-US" sz="500" b="1" dirty="0"/>
-                <a:t>ALL</a:t>
-              </a:r>
-              <a:endParaRPr lang="en-US" sz="500" b="1" dirty="0"/>
             </a:p>
           </p:txBody>
         </p:sp>
@@ -4465,12 +4421,6 @@
               </a:rPr>
               <a:t>Category</a:t>
             </a:r>
-            <a:endParaRPr lang="en-US" sz="1200" dirty="0">
-              <a:ln w="0"/>
-              <a:solidFill>
-                <a:schemeClr val="bg1"/>
-              </a:solidFill>
-            </a:endParaRPr>
           </a:p>
         </p:txBody>
       </p:sp>
@@ -4506,12 +4456,6 @@
               </a:rPr>
               <a:t>Category</a:t>
             </a:r>
-            <a:endParaRPr lang="en-US" sz="1200" dirty="0">
-              <a:ln w="0"/>
-              <a:solidFill>
-                <a:schemeClr val="bg1"/>
-              </a:solidFill>
-            </a:endParaRPr>
           </a:p>
         </p:txBody>
       </p:sp>
@@ -4547,12 +4491,6 @@
               </a:rPr>
               <a:t>Category</a:t>
             </a:r>
-            <a:endParaRPr lang="en-US" sz="1200" dirty="0">
-              <a:ln w="0"/>
-              <a:solidFill>
-                <a:schemeClr val="bg1"/>
-              </a:solidFill>
-            </a:endParaRPr>
           </a:p>
         </p:txBody>
       </p:sp>
@@ -4588,12 +4526,6 @@
               </a:rPr>
               <a:t>Category</a:t>
             </a:r>
-            <a:endParaRPr lang="en-US" sz="1200" dirty="0">
-              <a:ln w="0"/>
-              <a:solidFill>
-                <a:schemeClr val="bg1"/>
-              </a:solidFill>
-            </a:endParaRPr>
           </a:p>
         </p:txBody>
       </p:sp>
@@ -4629,12 +4561,6 @@
               </a:rPr>
               <a:t>Category</a:t>
             </a:r>
-            <a:endParaRPr lang="en-US" sz="1200" dirty="0">
-              <a:ln w="0"/>
-              <a:solidFill>
-                <a:schemeClr val="bg1"/>
-              </a:solidFill>
-            </a:endParaRPr>
           </a:p>
         </p:txBody>
       </p:sp>
@@ -4670,12 +4596,6 @@
               </a:rPr>
               <a:t>Category</a:t>
             </a:r>
-            <a:endParaRPr lang="en-US" sz="1200" dirty="0">
-              <a:ln w="0"/>
-              <a:solidFill>
-                <a:schemeClr val="bg1"/>
-              </a:solidFill>
-            </a:endParaRPr>
           </a:p>
         </p:txBody>
       </p:sp>
@@ -4711,12 +4631,6 @@
               </a:rPr>
               <a:t>Category</a:t>
             </a:r>
-            <a:endParaRPr lang="en-US" sz="1200" dirty="0">
-              <a:ln w="0"/>
-              <a:solidFill>
-                <a:schemeClr val="bg1"/>
-              </a:solidFill>
-            </a:endParaRPr>
           </a:p>
         </p:txBody>
       </p:sp>
@@ -4752,12 +4666,6 @@
               </a:rPr>
               <a:t>Category</a:t>
             </a:r>
-            <a:endParaRPr lang="en-US" sz="1200" dirty="0">
-              <a:ln w="0"/>
-              <a:solidFill>
-                <a:schemeClr val="bg1"/>
-              </a:solidFill>
-            </a:endParaRPr>
           </a:p>
         </p:txBody>
       </p:sp>
@@ -4793,12 +4701,6 @@
               </a:rPr>
               <a:t>Slide</a:t>
             </a:r>
-            <a:endParaRPr lang="en-US" sz="1200" dirty="0">
-              <a:ln w="0"/>
-              <a:solidFill>
-                <a:schemeClr val="bg1"/>
-              </a:solidFill>
-            </a:endParaRPr>
           </a:p>
         </p:txBody>
       </p:sp>
@@ -4834,12 +4736,6 @@
               </a:rPr>
               <a:t>Offer</a:t>
             </a:r>
-            <a:endParaRPr lang="en-US" sz="1200" dirty="0">
-              <a:ln w="0"/>
-              <a:solidFill>
-                <a:schemeClr val="bg1"/>
-              </a:solidFill>
-            </a:endParaRPr>
           </a:p>
         </p:txBody>
       </p:sp>
@@ -5106,12 +5002,6 @@
               </a:rPr>
               <a:t>NEW ARRIVALS</a:t>
             </a:r>
-            <a:endParaRPr lang="en-US" sz="700" b="1" dirty="0">
-              <a:ln w="0"/>
-              <a:solidFill>
-                <a:schemeClr val="bg1"/>
-              </a:solidFill>
-            </a:endParaRPr>
           </a:p>
         </p:txBody>
       </p:sp>
@@ -5159,13 +5049,8 @@
             <a:pPr algn="ctr"/>
             <a:r>
               <a:rPr lang="en-US" sz="500" b="1" dirty="0"/>
-              <a:t>VIEW </a:t>
+              <a:t>VIEW MORE</a:t>
             </a:r>
-            <a:r>
-              <a:rPr lang="en-US" sz="500" b="1" dirty="0"/>
-              <a:t>MORE</a:t>
-            </a:r>
-            <a:endParaRPr lang="en-US" sz="500" b="1" dirty="0"/>
           </a:p>
         </p:txBody>
       </p:sp>
@@ -5351,13 +5236,8 @@
             <a:pPr algn="ctr"/>
             <a:r>
               <a:rPr lang="en-US" sz="500" b="1" dirty="0"/>
-              <a:t>VIEW </a:t>
+              <a:t>VIEW MORE</a:t>
             </a:r>
-            <a:r>
-              <a:rPr lang="en-US" sz="500" b="1" dirty="0"/>
-              <a:t>MORE</a:t>
-            </a:r>
-            <a:endParaRPr lang="en-US" sz="500" b="1" dirty="0"/>
           </a:p>
         </p:txBody>
       </p:sp>
@@ -5583,12 +5463,6 @@
               </a:rPr>
               <a:t>TOP SELLING</a:t>
             </a:r>
-            <a:endParaRPr lang="en-US" sz="700" b="1" dirty="0">
-              <a:ln w="0"/>
-              <a:solidFill>
-                <a:schemeClr val="bg1"/>
-              </a:solidFill>
-            </a:endParaRPr>
           </a:p>
         </p:txBody>
       </p:sp>
@@ -5744,12 +5618,6 @@
                   </a:rPr>
                   <a:t>Item</a:t>
                 </a:r>
-                <a:endParaRPr lang="en-US" sz="1200" dirty="0">
-                  <a:ln w="0"/>
-                  <a:solidFill>
-                    <a:schemeClr val="bg1"/>
-                  </a:solidFill>
-                </a:endParaRPr>
               </a:p>
             </p:txBody>
           </p:sp>
@@ -5846,12 +5714,6 @@
                   </a:rPr>
                   <a:t>Item</a:t>
                 </a:r>
-                <a:endParaRPr lang="en-US" sz="1200" dirty="0">
-                  <a:ln w="0"/>
-                  <a:solidFill>
-                    <a:schemeClr val="bg1"/>
-                  </a:solidFill>
-                </a:endParaRPr>
               </a:p>
             </p:txBody>
           </p:sp>
@@ -5948,12 +5810,6 @@
                   </a:rPr>
                   <a:t>Item</a:t>
                 </a:r>
-                <a:endParaRPr lang="en-US" sz="1200" dirty="0">
-                  <a:ln w="0"/>
-                  <a:solidFill>
-                    <a:schemeClr val="bg1"/>
-                  </a:solidFill>
-                </a:endParaRPr>
               </a:p>
             </p:txBody>
           </p:sp>
@@ -6050,12 +5906,6 @@
                   </a:rPr>
                   <a:t>Item</a:t>
                 </a:r>
-                <a:endParaRPr lang="en-US" sz="1200" dirty="0">
-                  <a:ln w="0"/>
-                  <a:solidFill>
-                    <a:schemeClr val="bg1"/>
-                  </a:solidFill>
-                </a:endParaRPr>
               </a:p>
             </p:txBody>
           </p:sp>
@@ -6152,12 +6002,6 @@
                   </a:rPr>
                   <a:t>Item</a:t>
                 </a:r>
-                <a:endParaRPr lang="en-US" sz="1200" dirty="0">
-                  <a:ln w="0"/>
-                  <a:solidFill>
-                    <a:schemeClr val="bg1"/>
-                  </a:solidFill>
-                </a:endParaRPr>
               </a:p>
             </p:txBody>
           </p:sp>
@@ -6254,12 +6098,6 @@
                   </a:rPr>
                   <a:t>Item</a:t>
                 </a:r>
-                <a:endParaRPr lang="en-US" sz="1200" dirty="0">
-                  <a:ln w="0"/>
-                  <a:solidFill>
-                    <a:schemeClr val="bg1"/>
-                  </a:solidFill>
-                </a:endParaRPr>
               </a:p>
             </p:txBody>
           </p:sp>
@@ -6273,10 +6111,10 @@
         </p:nvGrpSpPr>
         <p:grpSpPr>
           <a:xfrm>
-            <a:off x="464289" y="7436643"/>
-            <a:ext cx="5904676" cy="1614488"/>
-            <a:chOff x="464289" y="7436643"/>
-            <a:chExt cx="5904676" cy="1614488"/>
+            <a:off x="464289" y="7438831"/>
+            <a:ext cx="5927519" cy="1614488"/>
+            <a:chOff x="464289" y="7438831"/>
+            <a:chExt cx="5927519" cy="1614488"/>
           </a:xfrm>
         </p:grpSpPr>
         <p:grpSp>
@@ -6287,9 +6125,9 @@
           </p:nvGrpSpPr>
           <p:grpSpPr>
             <a:xfrm>
-              <a:off x="464289" y="7436643"/>
+              <a:off x="464289" y="7438831"/>
               <a:ext cx="940707" cy="1614488"/>
-              <a:chOff x="464289" y="7436643"/>
+              <a:chOff x="464289" y="7438831"/>
               <a:chExt cx="940707" cy="1614488"/>
             </a:xfrm>
           </p:grpSpPr>
@@ -6301,7 +6139,7 @@
             </p:nvSpPr>
             <p:spPr>
               <a:xfrm>
-                <a:off x="464289" y="7436643"/>
+                <a:off x="464289" y="7438831"/>
                 <a:ext cx="940707" cy="1614488"/>
               </a:xfrm>
               <a:prstGeom prst="rect">
@@ -6371,12 +6209,6 @@
                   </a:rPr>
                   <a:t>Item</a:t>
                 </a:r>
-                <a:endParaRPr lang="en-US" sz="1200" dirty="0">
-                  <a:ln w="0"/>
-                  <a:solidFill>
-                    <a:schemeClr val="bg1"/>
-                  </a:solidFill>
-                </a:endParaRPr>
               </a:p>
             </p:txBody>
           </p:sp>
@@ -6389,9 +6221,9 @@
           </p:nvGrpSpPr>
           <p:grpSpPr>
             <a:xfrm>
-              <a:off x="1462412" y="7436643"/>
+              <a:off x="1462412" y="7438831"/>
               <a:ext cx="940707" cy="1614488"/>
-              <a:chOff x="1462412" y="7436643"/>
+              <a:chOff x="1462412" y="7438831"/>
               <a:chExt cx="940707" cy="1614488"/>
             </a:xfrm>
           </p:grpSpPr>
@@ -6403,7 +6235,7 @@
             </p:nvSpPr>
             <p:spPr>
               <a:xfrm>
-                <a:off x="1462412" y="7436643"/>
+                <a:off x="1462412" y="7438831"/>
                 <a:ext cx="940707" cy="1614488"/>
               </a:xfrm>
               <a:prstGeom prst="rect">
@@ -6473,12 +6305,6 @@
                   </a:rPr>
                   <a:t>Item</a:t>
                 </a:r>
-                <a:endParaRPr lang="en-US" sz="1200" dirty="0">
-                  <a:ln w="0"/>
-                  <a:solidFill>
-                    <a:schemeClr val="bg1"/>
-                  </a:solidFill>
-                </a:endParaRPr>
               </a:p>
             </p:txBody>
           </p:sp>
@@ -6491,9 +6317,9 @@
           </p:nvGrpSpPr>
           <p:grpSpPr>
             <a:xfrm>
-              <a:off x="2460535" y="7436643"/>
+              <a:off x="2460535" y="7438831"/>
               <a:ext cx="940707" cy="1614488"/>
-              <a:chOff x="2460535" y="7436643"/>
+              <a:chOff x="2460535" y="7438831"/>
               <a:chExt cx="940707" cy="1614488"/>
             </a:xfrm>
           </p:grpSpPr>
@@ -6505,7 +6331,7 @@
             </p:nvSpPr>
             <p:spPr>
               <a:xfrm>
-                <a:off x="2460535" y="7436643"/>
+                <a:off x="2460535" y="7438831"/>
                 <a:ext cx="940707" cy="1614488"/>
               </a:xfrm>
               <a:prstGeom prst="rect">
@@ -6575,12 +6401,6 @@
                   </a:rPr>
                   <a:t>Item</a:t>
                 </a:r>
-                <a:endParaRPr lang="en-US" sz="1200" dirty="0">
-                  <a:ln w="0"/>
-                  <a:solidFill>
-                    <a:schemeClr val="bg1"/>
-                  </a:solidFill>
-                </a:endParaRPr>
               </a:p>
             </p:txBody>
           </p:sp>
@@ -6593,9 +6413,9 @@
           </p:nvGrpSpPr>
           <p:grpSpPr>
             <a:xfrm>
-              <a:off x="3458658" y="7436643"/>
+              <a:off x="3458658" y="7438831"/>
               <a:ext cx="940707" cy="1614488"/>
-              <a:chOff x="3458658" y="7436643"/>
+              <a:chOff x="3458658" y="7438831"/>
               <a:chExt cx="940707" cy="1614488"/>
             </a:xfrm>
           </p:grpSpPr>
@@ -6607,7 +6427,7 @@
             </p:nvSpPr>
             <p:spPr>
               <a:xfrm>
-                <a:off x="3458658" y="7436643"/>
+                <a:off x="3458658" y="7438831"/>
                 <a:ext cx="940707" cy="1614488"/>
               </a:xfrm>
               <a:prstGeom prst="rect">
@@ -6677,12 +6497,6 @@
                   </a:rPr>
                   <a:t>Item</a:t>
                 </a:r>
-                <a:endParaRPr lang="en-US" sz="1200" dirty="0">
-                  <a:ln w="0"/>
-                  <a:solidFill>
-                    <a:schemeClr val="bg1"/>
-                  </a:solidFill>
-                </a:endParaRPr>
               </a:p>
             </p:txBody>
           </p:sp>
@@ -6695,9 +6509,9 @@
           </p:nvGrpSpPr>
           <p:grpSpPr>
             <a:xfrm>
-              <a:off x="4456784" y="7436643"/>
+              <a:off x="4456784" y="7438831"/>
               <a:ext cx="940707" cy="1614488"/>
-              <a:chOff x="4456784" y="7436643"/>
+              <a:chOff x="4456784" y="7438831"/>
               <a:chExt cx="940707" cy="1614488"/>
             </a:xfrm>
           </p:grpSpPr>
@@ -6709,7 +6523,7 @@
             </p:nvSpPr>
             <p:spPr>
               <a:xfrm>
-                <a:off x="4456784" y="7436643"/>
+                <a:off x="4456784" y="7438831"/>
                 <a:ext cx="940707" cy="1614488"/>
               </a:xfrm>
               <a:prstGeom prst="rect">
@@ -6779,12 +6593,6 @@
                   </a:rPr>
                   <a:t>Item</a:t>
                 </a:r>
-                <a:endParaRPr lang="en-US" sz="1200" dirty="0">
-                  <a:ln w="0"/>
-                  <a:solidFill>
-                    <a:schemeClr val="bg1"/>
-                  </a:solidFill>
-                </a:endParaRPr>
               </a:p>
             </p:txBody>
           </p:sp>
@@ -6797,9 +6605,9 @@
           </p:nvGrpSpPr>
           <p:grpSpPr>
             <a:xfrm>
-              <a:off x="5428258" y="7436643"/>
+              <a:off x="5451101" y="7438831"/>
               <a:ext cx="940707" cy="1614488"/>
-              <a:chOff x="5428258" y="7436643"/>
+              <a:chOff x="5451101" y="7438831"/>
               <a:chExt cx="940707" cy="1614488"/>
             </a:xfrm>
           </p:grpSpPr>
@@ -6811,7 +6619,7 @@
             </p:nvSpPr>
             <p:spPr>
               <a:xfrm>
-                <a:off x="5428258" y="7436643"/>
+                <a:off x="5451101" y="7438831"/>
                 <a:ext cx="940707" cy="1614488"/>
               </a:xfrm>
               <a:prstGeom prst="rect">
@@ -6881,12 +6689,6 @@
                   </a:rPr>
                   <a:t>Item</a:t>
                 </a:r>
-                <a:endParaRPr lang="en-US" sz="1200" dirty="0">
-                  <a:ln w="0"/>
-                  <a:solidFill>
-                    <a:schemeClr val="bg1"/>
-                  </a:solidFill>
-                </a:endParaRPr>
               </a:p>
             </p:txBody>
           </p:sp>
@@ -6900,10 +6702,10 @@
         </p:nvGrpSpPr>
         <p:grpSpPr>
           <a:xfrm>
-            <a:off x="353031" y="9428438"/>
-            <a:ext cx="6159138" cy="2684856"/>
-            <a:chOff x="353031" y="9428438"/>
-            <a:chExt cx="6159138" cy="2684856"/>
+            <a:off x="408667" y="9428438"/>
+            <a:ext cx="6037067" cy="2684856"/>
+            <a:chOff x="408667" y="9428438"/>
+            <a:chExt cx="6037067" cy="2684856"/>
           </a:xfrm>
         </p:grpSpPr>
         <p:grpSp>
@@ -7791,7 +7593,6 @@
                       <a:rPr lang="en-US" sz="1100" b="1" dirty="0"/>
                       <a:t>VIEW ALL</a:t>
                     </a:r>
-                    <a:endParaRPr lang="en-US" sz="1100" b="1" dirty="0"/>
                   </a:p>
                 </p:txBody>
               </p:sp>
@@ -7806,10 +7607,10 @@
           </p:nvGrpSpPr>
           <p:grpSpPr>
             <a:xfrm>
-              <a:off x="353031" y="9428438"/>
-              <a:ext cx="6159138" cy="562906"/>
-              <a:chOff x="353031" y="9428438"/>
-              <a:chExt cx="6159138" cy="562906"/>
+              <a:off x="408667" y="9428438"/>
+              <a:ext cx="6033467" cy="562906"/>
+              <a:chOff x="408667" y="9428438"/>
+              <a:chExt cx="6033467" cy="562906"/>
             </a:xfrm>
           </p:grpSpPr>
           <p:sp>
@@ -7820,8 +7621,8 @@
             </p:nvSpPr>
             <p:spPr>
               <a:xfrm>
-                <a:off x="353031" y="9428438"/>
-                <a:ext cx="6159138" cy="562906"/>
+                <a:off x="408667" y="9428438"/>
+                <a:ext cx="6033467" cy="562906"/>
               </a:xfrm>
               <a:prstGeom prst="rect">
                 <a:avLst/>
@@ -7890,10 +7691,94 @@
                   </a:rPr>
                   <a:t>Panjabi</a:t>
                 </a:r>
-                <a:endParaRPr lang="en-US" sz="2400" dirty="0">
+              </a:p>
+            </p:txBody>
+          </p:sp>
+          <p:sp>
+            <p:nvSpPr>
+              <p:cNvPr id="236" name="Rectangle 235"/>
+              <p:cNvSpPr/>
+              <p:nvPr/>
+            </p:nvSpPr>
+            <p:spPr>
+              <a:xfrm>
+                <a:off x="1183562" y="9609019"/>
+                <a:ext cx="511679" cy="230832"/>
+              </a:xfrm>
+              <a:prstGeom prst="rect">
+                <a:avLst/>
+              </a:prstGeom>
+              <a:noFill/>
+            </p:spPr>
+            <p:txBody>
+              <a:bodyPr wrap="none" lIns="91440" tIns="45720" rIns="91440" bIns="45720">
+                <a:spAutoFit/>
+              </a:bodyPr>
+              <a:lstStyle/>
+              <a:p>
+                <a:pPr algn="ctr"/>
+                <a:r>
+                  <a:rPr lang="en-US" sz="900" dirty="0" smtClean="0">
+                    <a:ln w="0"/>
+                    <a:solidFill>
+                      <a:schemeClr val="bg1">
+                        <a:lumMod val="65000"/>
+                      </a:schemeClr>
+                    </a:solidFill>
+                  </a:rPr>
+                  <a:t>Bg-img</a:t>
+                </a:r>
+                <a:endParaRPr lang="en-US" sz="900" dirty="0">
                   <a:ln w="0"/>
                   <a:solidFill>
-                    <a:schemeClr val="bg1"/>
+                    <a:schemeClr val="bg1">
+                      <a:lumMod val="65000"/>
+                    </a:schemeClr>
+                  </a:solidFill>
+                </a:endParaRPr>
+              </a:p>
+            </p:txBody>
+          </p:sp>
+          <p:sp>
+            <p:nvSpPr>
+              <p:cNvPr id="237" name="Rectangle 236"/>
+              <p:cNvSpPr/>
+              <p:nvPr/>
+            </p:nvSpPr>
+            <p:spPr>
+              <a:xfrm>
+                <a:off x="5127159" y="9594430"/>
+                <a:ext cx="511679" cy="230832"/>
+              </a:xfrm>
+              <a:prstGeom prst="rect">
+                <a:avLst/>
+              </a:prstGeom>
+              <a:noFill/>
+            </p:spPr>
+            <p:txBody>
+              <a:bodyPr wrap="none" lIns="91440" tIns="45720" rIns="91440" bIns="45720">
+                <a:spAutoFit/>
+              </a:bodyPr>
+              <a:lstStyle/>
+              <a:p>
+                <a:pPr algn="ctr"/>
+                <a:r>
+                  <a:rPr lang="en-US" sz="900" dirty="0" smtClean="0">
+                    <a:ln w="0"/>
+                    <a:solidFill>
+                      <a:schemeClr val="bg1">
+                        <a:lumMod val="65000"/>
+                      </a:schemeClr>
+                    </a:solidFill>
+                  </a:rPr>
+                  <a:t>Bg-img</a:t>
+                </a:r>
+                <a:endParaRPr lang="en-US" sz="900" dirty="0">
+                  <a:ln w="0"/>
+                  <a:solidFill>
+                    <a:schemeClr val="bg1">
+                      <a:lumMod val="65000"/>
+                    </a:schemeClr>
                   </a:solidFill>
                 </a:endParaRPr>
               </a:p>
@@ -7969,10 +7854,10 @@
           </p:nvGrpSpPr>
           <p:grpSpPr>
             <a:xfrm>
-              <a:off x="345831" y="12265259"/>
-              <a:ext cx="6159138" cy="2684856"/>
-              <a:chOff x="353031" y="9428438"/>
-              <a:chExt cx="6159138" cy="2684856"/>
+              <a:off x="405067" y="12265259"/>
+              <a:ext cx="6033467" cy="2684856"/>
+              <a:chOff x="412267" y="9428438"/>
+              <a:chExt cx="6033467" cy="2684856"/>
             </a:xfrm>
           </p:grpSpPr>
           <p:grpSp>
@@ -8860,7 +8745,6 @@
                         <a:rPr lang="en-US" sz="1100" b="1" dirty="0"/>
                         <a:t>VIEW ALL</a:t>
                       </a:r>
-                      <a:endParaRPr lang="en-US" sz="1100" b="1" dirty="0"/>
                     </a:p>
                   </p:txBody>
                 </p:sp>
@@ -8875,10 +8759,10 @@
             </p:nvGrpSpPr>
             <p:grpSpPr>
               <a:xfrm>
-                <a:off x="353031" y="9428438"/>
-                <a:ext cx="6159138" cy="562906"/>
-                <a:chOff x="353031" y="9428438"/>
-                <a:chExt cx="6159138" cy="562906"/>
+                <a:off x="412267" y="9428438"/>
+                <a:ext cx="6033467" cy="562906"/>
+                <a:chOff x="412267" y="9428438"/>
+                <a:chExt cx="6033467" cy="562906"/>
               </a:xfrm>
             </p:grpSpPr>
             <p:sp>
@@ -8889,8 +8773,8 @@
               </p:nvSpPr>
               <p:spPr>
                 <a:xfrm>
-                  <a:off x="353031" y="9428438"/>
-                  <a:ext cx="6159138" cy="562906"/>
+                  <a:off x="412267" y="9428438"/>
+                  <a:ext cx="6033467" cy="562906"/>
                 </a:xfrm>
                 <a:prstGeom prst="rect">
                   <a:avLst/>
@@ -9039,10 +8923,10 @@
           </p:nvGrpSpPr>
           <p:grpSpPr>
             <a:xfrm>
-              <a:off x="345831" y="12265259"/>
-              <a:ext cx="6159138" cy="2684856"/>
-              <a:chOff x="353031" y="9428438"/>
-              <a:chExt cx="6159138" cy="2684856"/>
+              <a:off x="405067" y="12265259"/>
+              <a:ext cx="6033467" cy="2684856"/>
+              <a:chOff x="412267" y="9428438"/>
+              <a:chExt cx="6033467" cy="2684856"/>
             </a:xfrm>
           </p:grpSpPr>
           <p:grpSp>
@@ -9930,7 +9814,6 @@
                         <a:rPr lang="en-US" sz="1100" b="1" dirty="0"/>
                         <a:t>VIEW ALL</a:t>
                       </a:r>
-                      <a:endParaRPr lang="en-US" sz="1100" b="1" dirty="0"/>
                     </a:p>
                   </p:txBody>
                 </p:sp>
@@ -9945,10 +9828,10 @@
             </p:nvGrpSpPr>
             <p:grpSpPr>
               <a:xfrm>
-                <a:off x="353031" y="9428438"/>
-                <a:ext cx="6159138" cy="562906"/>
-                <a:chOff x="353031" y="9428438"/>
-                <a:chExt cx="6159138" cy="562906"/>
+                <a:off x="412267" y="9428438"/>
+                <a:ext cx="6033467" cy="562906"/>
+                <a:chOff x="412267" y="9428438"/>
+                <a:chExt cx="6033467" cy="562906"/>
               </a:xfrm>
             </p:grpSpPr>
             <p:sp>
@@ -9959,8 +9842,8 @@
               </p:nvSpPr>
               <p:spPr>
                 <a:xfrm>
-                  <a:off x="353031" y="9428438"/>
-                  <a:ext cx="6159138" cy="562906"/>
+                  <a:off x="412267" y="9428438"/>
+                  <a:ext cx="6033467" cy="562906"/>
                 </a:xfrm>
                 <a:prstGeom prst="rect">
                   <a:avLst/>
